--- a/PPT/04 UFT Parameter & Output.pptx
+++ b/PPT/04 UFT Parameter & Output.pptx
@@ -141,7 +141,7 @@
   </p:defaultTextStyle>
   <p:extLst>
     <p:ext uri="{EFAFB233-063F-42B5-8137-9DF3F51BA10A}">
-      <p15:sldGuideLst xmlns:p15="http://schemas.microsoft.com/office/powerpoint/2012/main">
+      <p15:sldGuideLst xmlns:p15="http://schemas.microsoft.com/office/powerpoint/2012/main" xmlns="">
         <p15:guide id="1" orient="horz" pos="2160">
           <p15:clr>
             <a:srgbClr val="A4A3A4"/>
@@ -1411,19 +1411,19 @@
     </dgm:pt>
   </dgm:ptLst>
   <dgm:cxnLst>
+    <dgm:cxn modelId="{842FD74C-1495-48F8-9B15-04DB962E9EFA}" type="presOf" srcId="{90ACAE10-D0CD-4AAE-B1FE-69BAD222C742}" destId="{9FD40641-E404-4197-B885-FA9E76DDCC87}" srcOrd="0" destOrd="0" presId="urn:microsoft.com/office/officeart/2008/layout/HexagonCluster"/>
+    <dgm:cxn modelId="{7BDC1495-C0B9-4F05-A154-12FD02BDB159}" srcId="{22818833-47C6-4F22-A2F5-B024D7D56BE0}" destId="{90ACAE10-D0CD-4AAE-B1FE-69BAD222C742}" srcOrd="3" destOrd="0" parTransId="{9D8ABDEB-F64B-4EF8-A13D-AE758C182C0B}" sibTransId="{2278E4DD-4908-4962-9B38-D6322116A1D0}"/>
+    <dgm:cxn modelId="{4845C51B-EA8D-4C5E-833E-4E67FA24AA1C}" type="presOf" srcId="{4D2530B8-81EE-4CCB-9E86-708AF90BB230}" destId="{E5001E2C-4B4B-4EA8-911B-9339D66F57B8}" srcOrd="0" destOrd="0" presId="urn:microsoft.com/office/officeart/2008/layout/HexagonCluster"/>
+    <dgm:cxn modelId="{DD2E2AAF-CC82-49EA-8F5E-F47CA18723D4}" type="presOf" srcId="{DF8096D7-BDB9-4640-A4D5-400FEE12405B}" destId="{701F9A63-993D-4CA2-A5C5-E9AD8BDC786A}" srcOrd="0" destOrd="0" presId="urn:microsoft.com/office/officeart/2008/layout/HexagonCluster"/>
     <dgm:cxn modelId="{B20E7DEA-F670-4427-8AD5-394219E1B1AD}" srcId="{22818833-47C6-4F22-A2F5-B024D7D56BE0}" destId="{9388BC79-346C-4D71-9694-DABFC470AF42}" srcOrd="2" destOrd="0" parTransId="{047AE0B2-9384-467E-B3A8-2D4A1DF08C65}" sibTransId="{7DECD47E-0D5A-4F40-968F-7AD9BD690A0D}"/>
-    <dgm:cxn modelId="{842FD74C-1495-48F8-9B15-04DB962E9EFA}" type="presOf" srcId="{90ACAE10-D0CD-4AAE-B1FE-69BAD222C742}" destId="{9FD40641-E404-4197-B885-FA9E76DDCC87}" srcOrd="0" destOrd="0" presId="urn:microsoft.com/office/officeart/2008/layout/HexagonCluster"/>
     <dgm:cxn modelId="{16B581B1-6A10-464A-BFB0-EC380629102E}" srcId="{22818833-47C6-4F22-A2F5-B024D7D56BE0}" destId="{067D7DA1-2E7C-44DF-8EFE-2B0AAC8E51E9}" srcOrd="0" destOrd="0" parTransId="{08C17D7F-8E87-4EE4-A2BF-35F892663E64}" sibTransId="{4D2530B8-81EE-4CCB-9E86-708AF90BB230}"/>
+    <dgm:cxn modelId="{C3E01971-768E-4A12-A708-4ED9097AA931}" type="presOf" srcId="{067D7DA1-2E7C-44DF-8EFE-2B0AAC8E51E9}" destId="{A64355AA-F24E-439D-B6ED-37AAD8C318FF}" srcOrd="0" destOrd="0" presId="urn:microsoft.com/office/officeart/2008/layout/HexagonCluster"/>
+    <dgm:cxn modelId="{643F4401-FCA3-40C0-B4BF-4E6A753B1624}" srcId="{22818833-47C6-4F22-A2F5-B024D7D56BE0}" destId="{2765B553-C2D3-49D3-B3B8-459A353B618A}" srcOrd="1" destOrd="0" parTransId="{7478BA24-5B3E-45A2-B9C2-8B8664500B93}" sibTransId="{DF8096D7-BDB9-4640-A4D5-400FEE12405B}"/>
+    <dgm:cxn modelId="{986ADE38-95D8-408E-A88A-8447BB40B1F0}" type="presOf" srcId="{22818833-47C6-4F22-A2F5-B024D7D56BE0}" destId="{9EB03990-37A5-4819-8A85-1B0C193572C9}" srcOrd="0" destOrd="0" presId="urn:microsoft.com/office/officeart/2008/layout/HexagonCluster"/>
     <dgm:cxn modelId="{27D3CB2F-FDF3-485C-9C24-A53C7463DF1A}" type="presOf" srcId="{2278E4DD-4908-4962-9B38-D6322116A1D0}" destId="{F56F91A3-A017-486D-9E61-C51B04255629}" srcOrd="0" destOrd="0" presId="urn:microsoft.com/office/officeart/2008/layout/HexagonCluster"/>
-    <dgm:cxn modelId="{DD2E2AAF-CC82-49EA-8F5E-F47CA18723D4}" type="presOf" srcId="{DF8096D7-BDB9-4640-A4D5-400FEE12405B}" destId="{701F9A63-993D-4CA2-A5C5-E9AD8BDC786A}" srcOrd="0" destOrd="0" presId="urn:microsoft.com/office/officeart/2008/layout/HexagonCluster"/>
-    <dgm:cxn modelId="{4845C51B-EA8D-4C5E-833E-4E67FA24AA1C}" type="presOf" srcId="{4D2530B8-81EE-4CCB-9E86-708AF90BB230}" destId="{E5001E2C-4B4B-4EA8-911B-9339D66F57B8}" srcOrd="0" destOrd="0" presId="urn:microsoft.com/office/officeart/2008/layout/HexagonCluster"/>
+    <dgm:cxn modelId="{8BFA0C09-44D8-4374-A199-BF9D58A39D80}" type="presOf" srcId="{7DECD47E-0D5A-4F40-968F-7AD9BD690A0D}" destId="{E7939F82-F897-4C37-8C29-F41FF409D5CE}" srcOrd="0" destOrd="0" presId="urn:microsoft.com/office/officeart/2008/layout/HexagonCluster"/>
+    <dgm:cxn modelId="{D9F9AB1E-416E-4604-9992-A21DB1151F0E}" type="presOf" srcId="{2765B553-C2D3-49D3-B3B8-459A353B618A}" destId="{0B792954-82C4-457B-AA73-DBED6B44FE60}" srcOrd="0" destOrd="0" presId="urn:microsoft.com/office/officeart/2008/layout/HexagonCluster"/>
     <dgm:cxn modelId="{443A098D-1948-4268-8D0F-CE8074F3C55D}" type="presOf" srcId="{9388BC79-346C-4D71-9694-DABFC470AF42}" destId="{626CF0C3-BCC0-4BC2-8F78-4045262B09F3}" srcOrd="0" destOrd="0" presId="urn:microsoft.com/office/officeart/2008/layout/HexagonCluster"/>
-    <dgm:cxn modelId="{C3E01971-768E-4A12-A708-4ED9097AA931}" type="presOf" srcId="{067D7DA1-2E7C-44DF-8EFE-2B0AAC8E51E9}" destId="{A64355AA-F24E-439D-B6ED-37AAD8C318FF}" srcOrd="0" destOrd="0" presId="urn:microsoft.com/office/officeart/2008/layout/HexagonCluster"/>
-    <dgm:cxn modelId="{8BFA0C09-44D8-4374-A199-BF9D58A39D80}" type="presOf" srcId="{7DECD47E-0D5A-4F40-968F-7AD9BD690A0D}" destId="{E7939F82-F897-4C37-8C29-F41FF409D5CE}" srcOrd="0" destOrd="0" presId="urn:microsoft.com/office/officeart/2008/layout/HexagonCluster"/>
-    <dgm:cxn modelId="{643F4401-FCA3-40C0-B4BF-4E6A753B1624}" srcId="{22818833-47C6-4F22-A2F5-B024D7D56BE0}" destId="{2765B553-C2D3-49D3-B3B8-459A353B618A}" srcOrd="1" destOrd="0" parTransId="{7478BA24-5B3E-45A2-B9C2-8B8664500B93}" sibTransId="{DF8096D7-BDB9-4640-A4D5-400FEE12405B}"/>
-    <dgm:cxn modelId="{D9F9AB1E-416E-4604-9992-A21DB1151F0E}" type="presOf" srcId="{2765B553-C2D3-49D3-B3B8-459A353B618A}" destId="{0B792954-82C4-457B-AA73-DBED6B44FE60}" srcOrd="0" destOrd="0" presId="urn:microsoft.com/office/officeart/2008/layout/HexagonCluster"/>
-    <dgm:cxn modelId="{986ADE38-95D8-408E-A88A-8447BB40B1F0}" type="presOf" srcId="{22818833-47C6-4F22-A2F5-B024D7D56BE0}" destId="{9EB03990-37A5-4819-8A85-1B0C193572C9}" srcOrd="0" destOrd="0" presId="urn:microsoft.com/office/officeart/2008/layout/HexagonCluster"/>
-    <dgm:cxn modelId="{7BDC1495-C0B9-4F05-A154-12FD02BDB159}" srcId="{22818833-47C6-4F22-A2F5-B024D7D56BE0}" destId="{90ACAE10-D0CD-4AAE-B1FE-69BAD222C742}" srcOrd="3" destOrd="0" parTransId="{9D8ABDEB-F64B-4EF8-A13D-AE758C182C0B}" sibTransId="{2278E4DD-4908-4962-9B38-D6322116A1D0}"/>
     <dgm:cxn modelId="{624F8457-929D-4552-A2DE-309D0D364B9B}" type="presParOf" srcId="{9EB03990-37A5-4819-8A85-1B0C193572C9}" destId="{64CB32AC-C788-42FB-9DB3-10C537FFAEFC}" srcOrd="0" destOrd="0" presId="urn:microsoft.com/office/officeart/2008/layout/HexagonCluster"/>
     <dgm:cxn modelId="{3D12CBB2-3EAF-449D-BF4A-54E23A0AE269}" type="presParOf" srcId="{64CB32AC-C788-42FB-9DB3-10C537FFAEFC}" destId="{A64355AA-F24E-439D-B6ED-37AAD8C318FF}" srcOrd="0" destOrd="0" presId="urn:microsoft.com/office/officeart/2008/layout/HexagonCluster"/>
     <dgm:cxn modelId="{98CE44D9-39E9-4E2A-859E-32D1B5DC72A2}" type="presParOf" srcId="{9EB03990-37A5-4819-8A85-1B0C193572C9}" destId="{E7B33ED1-887F-4EC4-A6D2-10AC6EA7F16D}" srcOrd="1" destOrd="0" presId="urn:microsoft.com/office/officeart/2008/layout/HexagonCluster"/>
@@ -1475,888 +1475,6 @@
       <dsp:cNvGrpSpPr/>
     </dsp:nvGrpSpPr>
     <dsp:grpSpPr/>
-    <dsp:sp modelId="{A64355AA-F24E-439D-B6ED-37AAD8C318FF}">
-      <dsp:nvSpPr>
-        <dsp:cNvPr id="0" name=""/>
-        <dsp:cNvSpPr/>
-      </dsp:nvSpPr>
-      <dsp:spPr>
-        <a:xfrm>
-          <a:off x="1174699" y="2412882"/>
-          <a:ext cx="1383792" cy="1187825"/>
-        </a:xfrm>
-        <a:prstGeom prst="hexagon">
-          <a:avLst>
-            <a:gd name="adj" fmla="val 25000"/>
-            <a:gd name="vf" fmla="val 115470"/>
-          </a:avLst>
-        </a:prstGeom>
-        <a:solidFill>
-          <a:srgbClr val="00B0F0"/>
-        </a:solidFill>
-        <a:ln w="25400" cap="flat" cmpd="sng" algn="ctr">
-          <a:solidFill>
-            <a:schemeClr val="accent5">
-              <a:hueOff val="0"/>
-              <a:satOff val="0"/>
-              <a:lumOff val="0"/>
-              <a:alphaOff val="0"/>
-            </a:schemeClr>
-          </a:solidFill>
-          <a:prstDash val="solid"/>
-        </a:ln>
-        <a:effectLst/>
-      </dsp:spPr>
-      <dsp:style>
-        <a:lnRef idx="2">
-          <a:scrgbClr r="0" g="0" b="0"/>
-        </a:lnRef>
-        <a:fillRef idx="1">
-          <a:scrgbClr r="0" g="0" b="0"/>
-        </a:fillRef>
-        <a:effectRef idx="0">
-          <a:scrgbClr r="0" g="0" b="0"/>
-        </a:effectRef>
-        <a:fontRef idx="minor">
-          <a:schemeClr val="lt1"/>
-        </a:fontRef>
-      </dsp:style>
-      <dsp:txBody>
-        <a:bodyPr spcFirstLastPara="0" vert="horz" wrap="square" lIns="0" tIns="21590" rIns="0" bIns="21590" numCol="1" spcCol="1270" anchor="ctr" anchorCtr="0">
-          <a:noAutofit/>
-        </a:bodyPr>
-        <a:lstStyle/>
-        <a:p>
-          <a:pPr lvl="0" algn="ctr" defTabSz="755650">
-            <a:lnSpc>
-              <a:spcPct val="90000"/>
-            </a:lnSpc>
-            <a:spcBef>
-              <a:spcPct val="0"/>
-            </a:spcBef>
-            <a:spcAft>
-              <a:spcPct val="35000"/>
-            </a:spcAft>
-          </a:pPr>
-          <a:r>
-            <a:rPr lang="zh-CN" altLang="en-US" sz="1700" b="1" kern="1200" dirty="0" smtClean="0">
-              <a:solidFill>
-                <a:srgbClr val="000000"/>
-              </a:solidFill>
-              <a:ea typeface="宋体" pitchFamily="2" charset="-122"/>
-            </a:rPr>
-            <a:t>测试、操作的参数化</a:t>
-          </a:r>
-          <a:endParaRPr lang="zh-CN" altLang="en-US" sz="1700" b="1" kern="1200" dirty="0"/>
-        </a:p>
-      </dsp:txBody>
-      <dsp:txXfrm>
-        <a:off x="1389000" y="2596835"/>
-        <a:ext cx="955190" cy="819919"/>
-      </dsp:txXfrm>
-    </dsp:sp>
-    <dsp:sp modelId="{C34C5D2E-62DD-4F9E-A638-69346ED648E6}">
-      <dsp:nvSpPr>
-        <dsp:cNvPr id="0" name=""/>
-        <dsp:cNvSpPr/>
-      </dsp:nvSpPr>
-      <dsp:spPr>
-        <a:xfrm>
-          <a:off x="1217980" y="2937772"/>
-          <a:ext cx="161544" cy="139301"/>
-        </a:xfrm>
-        <a:prstGeom prst="hexagon">
-          <a:avLst>
-            <a:gd name="adj" fmla="val 25000"/>
-            <a:gd name="vf" fmla="val 115470"/>
-          </a:avLst>
-        </a:prstGeom>
-        <a:solidFill>
-          <a:schemeClr val="lt1">
-            <a:hueOff val="0"/>
-            <a:satOff val="0"/>
-            <a:lumOff val="0"/>
-            <a:alphaOff val="0"/>
-          </a:schemeClr>
-        </a:solidFill>
-        <a:ln w="25400" cap="flat" cmpd="sng" algn="ctr">
-          <a:solidFill>
-            <a:schemeClr val="accent5">
-              <a:hueOff val="0"/>
-              <a:satOff val="0"/>
-              <a:lumOff val="0"/>
-              <a:alphaOff val="0"/>
-            </a:schemeClr>
-          </a:solidFill>
-          <a:prstDash val="solid"/>
-        </a:ln>
-        <a:effectLst/>
-      </dsp:spPr>
-      <dsp:style>
-        <a:lnRef idx="2">
-          <a:scrgbClr r="0" g="0" b="0"/>
-        </a:lnRef>
-        <a:fillRef idx="1">
-          <a:scrgbClr r="0" g="0" b="0"/>
-        </a:fillRef>
-        <a:effectRef idx="0">
-          <a:scrgbClr r="0" g="0" b="0"/>
-        </a:effectRef>
-        <a:fontRef idx="minor"/>
-      </dsp:style>
-    </dsp:sp>
-    <dsp:sp modelId="{E5001E2C-4B4B-4EA8-911B-9339D66F57B8}">
-      <dsp:nvSpPr>
-        <dsp:cNvPr id="0" name=""/>
-        <dsp:cNvSpPr/>
-      </dsp:nvSpPr>
-      <dsp:spPr>
-        <a:xfrm>
-          <a:off x="0" y="1767202"/>
-          <a:ext cx="1383792" cy="1187825"/>
-        </a:xfrm>
-        <a:prstGeom prst="hexagon">
-          <a:avLst>
-            <a:gd name="adj" fmla="val 25000"/>
-            <a:gd name="vf" fmla="val 115470"/>
-          </a:avLst>
-        </a:prstGeom>
-        <a:noFill/>
-        <a:ln w="25400" cap="flat" cmpd="sng" algn="ctr">
-          <a:noFill/>
-          <a:prstDash val="solid"/>
-        </a:ln>
-        <a:effectLst/>
-      </dsp:spPr>
-      <dsp:style>
-        <a:lnRef idx="2">
-          <a:scrgbClr r="0" g="0" b="0"/>
-        </a:lnRef>
-        <a:fillRef idx="1">
-          <a:scrgbClr r="0" g="0" b="0"/>
-        </a:fillRef>
-        <a:effectRef idx="0">
-          <a:scrgbClr r="0" g="0" b="0"/>
-        </a:effectRef>
-        <a:fontRef idx="minor"/>
-      </dsp:style>
-    </dsp:sp>
-    <dsp:sp modelId="{549AF675-3D36-47CF-B27C-45250BBF1CBE}">
-      <dsp:nvSpPr>
-        <dsp:cNvPr id="0" name=""/>
-        <dsp:cNvSpPr/>
-      </dsp:nvSpPr>
-      <dsp:spPr>
-        <a:xfrm>
-          <a:off x="936955" y="2790313"/>
-          <a:ext cx="161544" cy="139301"/>
-        </a:xfrm>
-        <a:prstGeom prst="hexagon">
-          <a:avLst>
-            <a:gd name="adj" fmla="val 25000"/>
-            <a:gd name="vf" fmla="val 115470"/>
-          </a:avLst>
-        </a:prstGeom>
-        <a:solidFill>
-          <a:schemeClr val="tx2">
-            <a:lumMod val="60000"/>
-            <a:lumOff val="40000"/>
-          </a:schemeClr>
-        </a:solidFill>
-        <a:ln w="25400" cap="flat" cmpd="sng" algn="ctr">
-          <a:solidFill>
-            <a:schemeClr val="accent5">
-              <a:hueOff val="-1419125"/>
-              <a:satOff val="5687"/>
-              <a:lumOff val="1233"/>
-              <a:alphaOff val="0"/>
-            </a:schemeClr>
-          </a:solidFill>
-          <a:prstDash val="solid"/>
-        </a:ln>
-        <a:effectLst/>
-      </dsp:spPr>
-      <dsp:style>
-        <a:lnRef idx="2">
-          <a:scrgbClr r="0" g="0" b="0"/>
-        </a:lnRef>
-        <a:fillRef idx="1">
-          <a:scrgbClr r="0" g="0" b="0"/>
-        </a:fillRef>
-        <a:effectRef idx="0">
-          <a:scrgbClr r="0" g="0" b="0"/>
-        </a:effectRef>
-        <a:fontRef idx="minor"/>
-      </dsp:style>
-    </dsp:sp>
-    <dsp:sp modelId="{0B792954-82C4-457B-AA73-DBED6B44FE60}">
-      <dsp:nvSpPr>
-        <dsp:cNvPr id="0" name=""/>
-        <dsp:cNvSpPr/>
-      </dsp:nvSpPr>
-      <dsp:spPr>
-        <a:xfrm>
-          <a:off x="2348179" y="1758103"/>
-          <a:ext cx="1383792" cy="1187825"/>
-        </a:xfrm>
-        <a:prstGeom prst="hexagon">
-          <a:avLst>
-            <a:gd name="adj" fmla="val 25000"/>
-            <a:gd name="vf" fmla="val 115470"/>
-          </a:avLst>
-        </a:prstGeom>
-        <a:solidFill>
-          <a:srgbClr val="7030A0"/>
-        </a:solidFill>
-        <a:ln w="25400" cap="flat" cmpd="sng" algn="ctr">
-          <a:solidFill>
-            <a:schemeClr val="accent5">
-              <a:hueOff val="-3311292"/>
-              <a:satOff val="13270"/>
-              <a:lumOff val="2876"/>
-              <a:alphaOff val="0"/>
-            </a:schemeClr>
-          </a:solidFill>
-          <a:prstDash val="solid"/>
-        </a:ln>
-        <a:effectLst/>
-      </dsp:spPr>
-      <dsp:style>
-        <a:lnRef idx="2">
-          <a:scrgbClr r="0" g="0" b="0"/>
-        </a:lnRef>
-        <a:fillRef idx="1">
-          <a:scrgbClr r="0" g="0" b="0"/>
-        </a:fillRef>
-        <a:effectRef idx="0">
-          <a:scrgbClr r="0" g="0" b="0"/>
-        </a:effectRef>
-        <a:fontRef idx="minor">
-          <a:schemeClr val="lt1"/>
-        </a:fontRef>
-      </dsp:style>
-      <dsp:txBody>
-        <a:bodyPr spcFirstLastPara="0" vert="horz" wrap="square" lIns="0" tIns="21590" rIns="0" bIns="21590" numCol="1" spcCol="1270" anchor="ctr" anchorCtr="0">
-          <a:noAutofit/>
-        </a:bodyPr>
-        <a:lstStyle/>
-        <a:p>
-          <a:pPr lvl="0" algn="ctr" defTabSz="755650">
-            <a:lnSpc>
-              <a:spcPct val="90000"/>
-            </a:lnSpc>
-            <a:spcBef>
-              <a:spcPct val="0"/>
-            </a:spcBef>
-            <a:spcAft>
-              <a:spcPct val="35000"/>
-            </a:spcAft>
-          </a:pPr>
-          <a:r>
-            <a:rPr lang="zh-CN" altLang="en-US" sz="1700" b="1" kern="1200" dirty="0" smtClean="0">
-              <a:solidFill>
-                <a:schemeClr val="bg1"/>
-              </a:solidFill>
-              <a:ea typeface="宋体" pitchFamily="2" charset="-122"/>
-            </a:rPr>
-            <a:t>数据表参数化</a:t>
-          </a:r>
-          <a:endParaRPr lang="zh-CN" altLang="en-US" sz="1700" b="1" kern="1200" dirty="0">
-            <a:solidFill>
-              <a:schemeClr val="bg1"/>
-            </a:solidFill>
-          </a:endParaRPr>
-        </a:p>
-      </dsp:txBody>
-      <dsp:txXfrm>
-        <a:off x="2562480" y="1942056"/>
-        <a:ext cx="955190" cy="819919"/>
-      </dsp:txXfrm>
-    </dsp:sp>
-    <dsp:sp modelId="{B5AB5040-9897-4E0A-9372-928AD730A5E9}">
-      <dsp:nvSpPr>
-        <dsp:cNvPr id="0" name=""/>
-        <dsp:cNvSpPr/>
-      </dsp:nvSpPr>
-      <dsp:spPr>
-        <a:xfrm>
-          <a:off x="2115269" y="1310452"/>
-          <a:ext cx="161544" cy="139301"/>
-        </a:xfrm>
-        <a:prstGeom prst="hexagon">
-          <a:avLst>
-            <a:gd name="adj" fmla="val 25000"/>
-            <a:gd name="vf" fmla="val 115470"/>
-          </a:avLst>
-        </a:prstGeom>
-        <a:solidFill>
-          <a:schemeClr val="lt1">
-            <a:hueOff val="0"/>
-            <a:satOff val="0"/>
-            <a:lumOff val="0"/>
-            <a:alphaOff val="0"/>
-          </a:schemeClr>
-        </a:solidFill>
-        <a:ln w="25400" cap="flat" cmpd="sng" algn="ctr">
-          <a:solidFill>
-            <a:schemeClr val="accent5">
-              <a:hueOff val="-2838251"/>
-              <a:satOff val="11375"/>
-              <a:lumOff val="2465"/>
-              <a:alphaOff val="0"/>
-            </a:schemeClr>
-          </a:solidFill>
-          <a:prstDash val="solid"/>
-        </a:ln>
-        <a:effectLst/>
-      </dsp:spPr>
-      <dsp:style>
-        <a:lnRef idx="2">
-          <a:scrgbClr r="0" g="0" b="0"/>
-        </a:lnRef>
-        <a:fillRef idx="1">
-          <a:scrgbClr r="0" g="0" b="0"/>
-        </a:fillRef>
-        <a:effectRef idx="0">
-          <a:scrgbClr r="0" g="0" b="0"/>
-        </a:effectRef>
-        <a:fontRef idx="minor"/>
-      </dsp:style>
-    </dsp:sp>
-    <dsp:sp modelId="{701F9A63-993D-4CA2-A5C5-E9AD8BDC786A}">
-      <dsp:nvSpPr>
-        <dsp:cNvPr id="0" name=""/>
-        <dsp:cNvSpPr/>
-      </dsp:nvSpPr>
-      <dsp:spPr>
-        <a:xfrm>
-          <a:off x="3527755" y="2410999"/>
-          <a:ext cx="1383792" cy="1187825"/>
-        </a:xfrm>
-        <a:prstGeom prst="hexagon">
-          <a:avLst>
-            <a:gd name="adj" fmla="val 25000"/>
-            <a:gd name="vf" fmla="val 115470"/>
-          </a:avLst>
-        </a:prstGeom>
-        <a:solidFill>
-          <a:schemeClr val="lt1">
-            <a:alpha val="90000"/>
-            <a:hueOff val="0"/>
-            <a:satOff val="0"/>
-            <a:lumOff val="0"/>
-            <a:alphaOff val="0"/>
-          </a:schemeClr>
-        </a:solidFill>
-        <a:ln w="25400" cap="flat" cmpd="sng" algn="ctr">
-          <a:noFill/>
-          <a:prstDash val="solid"/>
-        </a:ln>
-        <a:effectLst/>
-      </dsp:spPr>
-      <dsp:style>
-        <a:lnRef idx="2">
-          <a:scrgbClr r="0" g="0" b="0"/>
-        </a:lnRef>
-        <a:fillRef idx="1">
-          <a:scrgbClr r="0" g="0" b="0"/>
-        </a:fillRef>
-        <a:effectRef idx="0">
-          <a:scrgbClr r="0" g="0" b="0"/>
-        </a:effectRef>
-        <a:fontRef idx="minor"/>
-      </dsp:style>
-    </dsp:sp>
-    <dsp:sp modelId="{1859D76D-D21E-4709-968F-D80EF718D7B1}">
-      <dsp:nvSpPr>
-        <dsp:cNvPr id="0" name=""/>
-        <dsp:cNvSpPr/>
-      </dsp:nvSpPr>
-      <dsp:spPr>
-        <a:xfrm>
-          <a:off x="3559454" y="2943105"/>
-          <a:ext cx="161544" cy="139301"/>
-        </a:xfrm>
-        <a:prstGeom prst="hexagon">
-          <a:avLst>
-            <a:gd name="adj" fmla="val 25000"/>
-            <a:gd name="vf" fmla="val 115470"/>
-          </a:avLst>
-        </a:prstGeom>
-        <a:solidFill>
-          <a:schemeClr val="bg2">
-            <a:lumMod val="75000"/>
-          </a:schemeClr>
-        </a:solidFill>
-        <a:ln w="25400" cap="flat" cmpd="sng" algn="ctr">
-          <a:solidFill>
-            <a:schemeClr val="accent5">
-              <a:hueOff val="-4257376"/>
-              <a:satOff val="17062"/>
-              <a:lumOff val="3698"/>
-              <a:alphaOff val="0"/>
-            </a:schemeClr>
-          </a:solidFill>
-          <a:prstDash val="solid"/>
-        </a:ln>
-        <a:effectLst/>
-      </dsp:spPr>
-      <dsp:style>
-        <a:lnRef idx="2">
-          <a:scrgbClr r="0" g="0" b="0"/>
-        </a:lnRef>
-        <a:fillRef idx="1">
-          <a:scrgbClr r="0" g="0" b="0"/>
-        </a:fillRef>
-        <a:effectRef idx="0">
-          <a:scrgbClr r="0" g="0" b="0"/>
-        </a:effectRef>
-        <a:fontRef idx="minor"/>
-      </dsp:style>
-    </dsp:sp>
-    <dsp:sp modelId="{626CF0C3-BCC0-4BC2-8F78-4045262B09F3}">
-      <dsp:nvSpPr>
-        <dsp:cNvPr id="0" name=""/>
-        <dsp:cNvSpPr/>
-      </dsp:nvSpPr>
-      <dsp:spPr>
-        <a:xfrm>
-          <a:off x="1174699" y="1118070"/>
-          <a:ext cx="1383792" cy="1187825"/>
-        </a:xfrm>
-        <a:prstGeom prst="hexagon">
-          <a:avLst>
-            <a:gd name="adj" fmla="val 25000"/>
-            <a:gd name="vf" fmla="val 115470"/>
-          </a:avLst>
-        </a:prstGeom>
-        <a:solidFill>
-          <a:srgbClr val="FFC000"/>
-        </a:solidFill>
-        <a:ln w="25400" cap="flat" cmpd="sng" algn="ctr">
-          <a:solidFill>
-            <a:schemeClr val="accent5">
-              <a:hueOff val="-6622584"/>
-              <a:satOff val="26541"/>
-              <a:lumOff val="5752"/>
-              <a:alphaOff val="0"/>
-            </a:schemeClr>
-          </a:solidFill>
-          <a:prstDash val="solid"/>
-        </a:ln>
-        <a:effectLst/>
-      </dsp:spPr>
-      <dsp:style>
-        <a:lnRef idx="2">
-          <a:scrgbClr r="0" g="0" b="0"/>
-        </a:lnRef>
-        <a:fillRef idx="1">
-          <a:scrgbClr r="0" g="0" b="0"/>
-        </a:fillRef>
-        <a:effectRef idx="0">
-          <a:scrgbClr r="0" g="0" b="0"/>
-        </a:effectRef>
-        <a:fontRef idx="minor">
-          <a:schemeClr val="lt1"/>
-        </a:fontRef>
-      </dsp:style>
-      <dsp:txBody>
-        <a:bodyPr spcFirstLastPara="0" vert="horz" wrap="square" lIns="0" tIns="21590" rIns="0" bIns="21590" numCol="1" spcCol="1270" anchor="ctr" anchorCtr="0">
-          <a:noAutofit/>
-        </a:bodyPr>
-        <a:lstStyle/>
-        <a:p>
-          <a:pPr lvl="0" algn="ctr" defTabSz="755650">
-            <a:lnSpc>
-              <a:spcPct val="90000"/>
-            </a:lnSpc>
-            <a:spcBef>
-              <a:spcPct val="0"/>
-            </a:spcBef>
-            <a:spcAft>
-              <a:spcPct val="35000"/>
-            </a:spcAft>
-          </a:pPr>
-          <a:r>
-            <a:rPr lang="zh-CN" altLang="en-US" sz="1700" b="1" kern="1200" dirty="0" smtClean="0">
-              <a:solidFill>
-                <a:srgbClr val="000000"/>
-              </a:solidFill>
-              <a:ea typeface="宋体" pitchFamily="2" charset="-122"/>
-            </a:rPr>
-            <a:t>环境变量参数化</a:t>
-          </a:r>
-          <a:endParaRPr lang="zh-CN" altLang="en-US" sz="1700" b="1" kern="1200" dirty="0"/>
-        </a:p>
-      </dsp:txBody>
-      <dsp:txXfrm>
-        <a:off x="1389000" y="1302023"/>
-        <a:ext cx="955190" cy="819919"/>
-      </dsp:txXfrm>
-    </dsp:sp>
-    <dsp:sp modelId="{2496849F-9745-4657-A27C-11B575F5B7DD}">
-      <dsp:nvSpPr>
-        <dsp:cNvPr id="0" name=""/>
-        <dsp:cNvSpPr/>
-      </dsp:nvSpPr>
-      <dsp:spPr>
-        <a:xfrm>
-          <a:off x="2116531" y="1142542"/>
-          <a:ext cx="161544" cy="139301"/>
-        </a:xfrm>
-        <a:prstGeom prst="hexagon">
-          <a:avLst>
-            <a:gd name="adj" fmla="val 25000"/>
-            <a:gd name="vf" fmla="val 115470"/>
-          </a:avLst>
-        </a:prstGeom>
-        <a:solidFill>
-          <a:schemeClr val="lt1">
-            <a:hueOff val="0"/>
-            <a:satOff val="0"/>
-            <a:lumOff val="0"/>
-            <a:alphaOff val="0"/>
-          </a:schemeClr>
-        </a:solidFill>
-        <a:ln w="25400" cap="flat" cmpd="sng" algn="ctr">
-          <a:solidFill>
-            <a:schemeClr val="accent5">
-              <a:hueOff val="-5676501"/>
-              <a:satOff val="22749"/>
-              <a:lumOff val="4930"/>
-              <a:alphaOff val="0"/>
-            </a:schemeClr>
-          </a:solidFill>
-          <a:prstDash val="solid"/>
-        </a:ln>
-        <a:effectLst/>
-      </dsp:spPr>
-      <dsp:style>
-        <a:lnRef idx="2">
-          <a:scrgbClr r="0" g="0" b="0"/>
-        </a:lnRef>
-        <a:fillRef idx="1">
-          <a:scrgbClr r="0" g="0" b="0"/>
-        </a:fillRef>
-        <a:effectRef idx="0">
-          <a:scrgbClr r="0" g="0" b="0"/>
-        </a:effectRef>
-        <a:fontRef idx="minor"/>
-      </dsp:style>
-    </dsp:sp>
-    <dsp:sp modelId="{E7939F82-F897-4C37-8C29-F41FF409D5CE}">
-      <dsp:nvSpPr>
-        <dsp:cNvPr id="0" name=""/>
-        <dsp:cNvSpPr/>
-      </dsp:nvSpPr>
-      <dsp:spPr>
-        <a:xfrm>
-          <a:off x="2348179" y="463291"/>
-          <a:ext cx="1383792" cy="1187825"/>
-        </a:xfrm>
-        <a:prstGeom prst="hexagon">
-          <a:avLst>
-            <a:gd name="adj" fmla="val 25000"/>
-            <a:gd name="vf" fmla="val 115470"/>
-          </a:avLst>
-        </a:prstGeom>
-        <a:solidFill>
-          <a:schemeClr val="lt1">
-            <a:alpha val="90000"/>
-            <a:hueOff val="0"/>
-            <a:satOff val="0"/>
-            <a:lumOff val="0"/>
-            <a:alphaOff val="0"/>
-          </a:schemeClr>
-        </a:solidFill>
-        <a:ln w="0" cap="flat" cmpd="sng" algn="ctr">
-          <a:noFill/>
-          <a:prstDash val="solid"/>
-        </a:ln>
-        <a:effectLst/>
-      </dsp:spPr>
-      <dsp:style>
-        <a:lnRef idx="2">
-          <a:scrgbClr r="0" g="0" b="0"/>
-        </a:lnRef>
-        <a:fillRef idx="1">
-          <a:scrgbClr r="0" g="0" b="0"/>
-        </a:fillRef>
-        <a:effectRef idx="0">
-          <a:scrgbClr r="0" g="0" b="0"/>
-        </a:effectRef>
-        <a:fontRef idx="minor"/>
-      </dsp:style>
-    </dsp:sp>
-    <dsp:sp modelId="{96B2F339-B58A-4C35-966D-B6FDB633FA5E}">
-      <dsp:nvSpPr>
-        <dsp:cNvPr id="0" name=""/>
-        <dsp:cNvSpPr/>
-      </dsp:nvSpPr>
-      <dsp:spPr>
-        <a:xfrm>
-          <a:off x="2379878" y="989750"/>
-          <a:ext cx="161544" cy="139301"/>
-        </a:xfrm>
-        <a:prstGeom prst="hexagon">
-          <a:avLst>
-            <a:gd name="adj" fmla="val 25000"/>
-            <a:gd name="vf" fmla="val 115470"/>
-          </a:avLst>
-        </a:prstGeom>
-        <a:solidFill>
-          <a:srgbClr val="00B050"/>
-        </a:solidFill>
-        <a:ln w="25400" cap="flat" cmpd="sng" algn="ctr">
-          <a:solidFill>
-            <a:schemeClr val="accent5">
-              <a:hueOff val="-7095626"/>
-              <a:satOff val="28436"/>
-              <a:lumOff val="6163"/>
-              <a:alphaOff val="0"/>
-            </a:schemeClr>
-          </a:solidFill>
-          <a:prstDash val="solid"/>
-        </a:ln>
-        <a:effectLst/>
-      </dsp:spPr>
-      <dsp:style>
-        <a:lnRef idx="2">
-          <a:scrgbClr r="0" g="0" b="0"/>
-        </a:lnRef>
-        <a:fillRef idx="1">
-          <a:scrgbClr r="0" g="0" b="0"/>
-        </a:fillRef>
-        <a:effectRef idx="0">
-          <a:scrgbClr r="0" g="0" b="0"/>
-        </a:effectRef>
-        <a:fontRef idx="minor"/>
-      </dsp:style>
-    </dsp:sp>
-    <dsp:sp modelId="{9FD40641-E404-4197-B885-FA9E76DDCC87}">
-      <dsp:nvSpPr>
-        <dsp:cNvPr id="0" name=""/>
-        <dsp:cNvSpPr/>
-      </dsp:nvSpPr>
-      <dsp:spPr>
-        <a:xfrm>
-          <a:off x="3527755" y="1116188"/>
-          <a:ext cx="1383792" cy="1187825"/>
-        </a:xfrm>
-        <a:prstGeom prst="hexagon">
-          <a:avLst>
-            <a:gd name="adj" fmla="val 25000"/>
-            <a:gd name="vf" fmla="val 115470"/>
-          </a:avLst>
-        </a:prstGeom>
-        <a:solidFill>
-          <a:schemeClr val="tx2">
-            <a:lumMod val="40000"/>
-            <a:lumOff val="60000"/>
-          </a:schemeClr>
-        </a:solidFill>
-        <a:ln w="25400" cap="flat" cmpd="sng" algn="ctr">
-          <a:solidFill>
-            <a:schemeClr val="accent5">
-              <a:hueOff val="-9933876"/>
-              <a:satOff val="39811"/>
-              <a:lumOff val="8628"/>
-              <a:alphaOff val="0"/>
-            </a:schemeClr>
-          </a:solidFill>
-          <a:prstDash val="solid"/>
-        </a:ln>
-        <a:effectLst/>
-      </dsp:spPr>
-      <dsp:style>
-        <a:lnRef idx="2">
-          <a:scrgbClr r="0" g="0" b="0"/>
-        </a:lnRef>
-        <a:fillRef idx="1">
-          <a:scrgbClr r="0" g="0" b="0"/>
-        </a:fillRef>
-        <a:effectRef idx="0">
-          <a:scrgbClr r="0" g="0" b="0"/>
-        </a:effectRef>
-        <a:fontRef idx="minor">
-          <a:schemeClr val="lt1"/>
-        </a:fontRef>
-      </dsp:style>
-      <dsp:txBody>
-        <a:bodyPr spcFirstLastPara="0" vert="horz" wrap="square" lIns="0" tIns="21590" rIns="0" bIns="21590" numCol="1" spcCol="1270" anchor="ctr" anchorCtr="0">
-          <a:noAutofit/>
-        </a:bodyPr>
-        <a:lstStyle/>
-        <a:p>
-          <a:pPr lvl="0" algn="ctr" defTabSz="755650">
-            <a:lnSpc>
-              <a:spcPct val="90000"/>
-            </a:lnSpc>
-            <a:spcBef>
-              <a:spcPct val="0"/>
-            </a:spcBef>
-            <a:spcAft>
-              <a:spcPct val="35000"/>
-            </a:spcAft>
-          </a:pPr>
-          <a:r>
-            <a:rPr lang="zh-CN" altLang="en-US" sz="1700" b="1" kern="1200" dirty="0" smtClean="0">
-              <a:solidFill>
-                <a:srgbClr val="000000"/>
-              </a:solidFill>
-              <a:ea typeface="宋体" pitchFamily="2" charset="-122"/>
-            </a:rPr>
-            <a:t>随机数字参数化</a:t>
-          </a:r>
-          <a:endParaRPr lang="zh-CN" altLang="en-US" sz="1700" b="1" kern="1200" dirty="0"/>
-        </a:p>
-      </dsp:txBody>
-      <dsp:txXfrm>
-        <a:off x="3742056" y="1300141"/>
-        <a:ext cx="955190" cy="819919"/>
-      </dsp:txXfrm>
-    </dsp:sp>
-    <dsp:sp modelId="{44980D0F-8987-4616-A249-F1ADFBEE68B1}">
-      <dsp:nvSpPr>
-        <dsp:cNvPr id="0" name=""/>
-        <dsp:cNvSpPr/>
-      </dsp:nvSpPr>
-      <dsp:spPr>
-        <a:xfrm>
-          <a:off x="4717694" y="1640450"/>
-          <a:ext cx="161544" cy="139301"/>
-        </a:xfrm>
-        <a:prstGeom prst="hexagon">
-          <a:avLst>
-            <a:gd name="adj" fmla="val 25000"/>
-            <a:gd name="vf" fmla="val 115470"/>
-          </a:avLst>
-        </a:prstGeom>
-        <a:solidFill>
-          <a:schemeClr val="lt1">
-            <a:hueOff val="0"/>
-            <a:satOff val="0"/>
-            <a:lumOff val="0"/>
-            <a:alphaOff val="0"/>
-          </a:schemeClr>
-        </a:solidFill>
-        <a:ln w="25400" cap="flat" cmpd="sng" algn="ctr">
-          <a:solidFill>
-            <a:schemeClr val="accent5">
-              <a:hueOff val="-8514751"/>
-              <a:satOff val="34124"/>
-              <a:lumOff val="7395"/>
-              <a:alphaOff val="0"/>
-            </a:schemeClr>
-          </a:solidFill>
-          <a:prstDash val="solid"/>
-        </a:ln>
-        <a:effectLst/>
-      </dsp:spPr>
-      <dsp:style>
-        <a:lnRef idx="2">
-          <a:scrgbClr r="0" g="0" b="0"/>
-        </a:lnRef>
-        <a:fillRef idx="1">
-          <a:scrgbClr r="0" g="0" b="0"/>
-        </a:fillRef>
-        <a:effectRef idx="0">
-          <a:scrgbClr r="0" g="0" b="0"/>
-        </a:effectRef>
-        <a:fontRef idx="minor"/>
-      </dsp:style>
-    </dsp:sp>
-    <dsp:sp modelId="{F56F91A3-A017-486D-9E61-C51B04255629}">
-      <dsp:nvSpPr>
-        <dsp:cNvPr id="0" name=""/>
-        <dsp:cNvSpPr/>
-      </dsp:nvSpPr>
-      <dsp:spPr>
-        <a:xfrm>
-          <a:off x="4712208" y="1769084"/>
-          <a:ext cx="1383792" cy="1187825"/>
-        </a:xfrm>
-        <a:prstGeom prst="hexagon">
-          <a:avLst>
-            <a:gd name="adj" fmla="val 25000"/>
-            <a:gd name="vf" fmla="val 115470"/>
-          </a:avLst>
-        </a:prstGeom>
-        <a:solidFill>
-          <a:schemeClr val="lt1">
-            <a:alpha val="90000"/>
-            <a:hueOff val="0"/>
-            <a:satOff val="0"/>
-            <a:lumOff val="0"/>
-            <a:alphaOff val="0"/>
-          </a:schemeClr>
-        </a:solidFill>
-        <a:ln w="25400" cap="flat" cmpd="sng" algn="ctr">
-          <a:noFill/>
-          <a:prstDash val="solid"/>
-        </a:ln>
-        <a:effectLst/>
-      </dsp:spPr>
-      <dsp:style>
-        <a:lnRef idx="2">
-          <a:scrgbClr r="0" g="0" b="0"/>
-        </a:lnRef>
-        <a:fillRef idx="1">
-          <a:scrgbClr r="0" g="0" b="0"/>
-        </a:fillRef>
-        <a:effectRef idx="0">
-          <a:scrgbClr r="0" g="0" b="0"/>
-        </a:effectRef>
-        <a:fontRef idx="minor"/>
-      </dsp:style>
-    </dsp:sp>
-    <dsp:sp modelId="{B9AAAF26-F3CB-4A1C-85C5-04FF58C2AF18}">
-      <dsp:nvSpPr>
-        <dsp:cNvPr id="0" name=""/>
-        <dsp:cNvSpPr/>
-      </dsp:nvSpPr>
-      <dsp:spPr>
-        <a:xfrm>
-          <a:off x="4991404" y="1790105"/>
-          <a:ext cx="161544" cy="139301"/>
-        </a:xfrm>
-        <a:prstGeom prst="hexagon">
-          <a:avLst>
-            <a:gd name="adj" fmla="val 25000"/>
-            <a:gd name="vf" fmla="val 115470"/>
-          </a:avLst>
-        </a:prstGeom>
-        <a:solidFill>
-          <a:schemeClr val="tx1">
-            <a:lumMod val="10000"/>
-          </a:schemeClr>
-        </a:solidFill>
-        <a:ln w="25400" cap="flat" cmpd="sng" algn="ctr">
-          <a:solidFill>
-            <a:schemeClr val="accent5">
-              <a:hueOff val="-9933876"/>
-              <a:satOff val="39811"/>
-              <a:lumOff val="8628"/>
-              <a:alphaOff val="0"/>
-            </a:schemeClr>
-          </a:solidFill>
-          <a:prstDash val="solid"/>
-        </a:ln>
-        <a:effectLst/>
-      </dsp:spPr>
-      <dsp:style>
-        <a:lnRef idx="2">
-          <a:scrgbClr r="0" g="0" b="0"/>
-        </a:lnRef>
-        <a:fillRef idx="1">
-          <a:scrgbClr r="0" g="0" b="0"/>
-        </a:fillRef>
-        <a:effectRef idx="0">
-          <a:scrgbClr r="0" g="0" b="0"/>
-        </a:effectRef>
-        <a:fontRef idx="minor"/>
-      </dsp:style>
-    </dsp:sp>
   </dsp:spTree>
 </dsp:drawing>
 </file>
@@ -5447,7 +4565,7 @@
           <a:p>
             <a:fld id="{AC305B9E-BD77-4D0C-8B11-D405776170DD}" type="datetimeFigureOut">
               <a:rPr lang="zh-CN" altLang="en-US" smtClean="0"/>
-              <a:t>2017/9/6</a:t>
+              <a:t>2017/9/7</a:t>
             </a:fld>
             <a:endParaRPr lang="zh-CN" altLang="en-US"/>
           </a:p>
@@ -7290,7 +6408,7 @@
           <a:p>
             <a:fld id="{530820CF-B880-4189-942D-D702A7CBA730}" type="datetimeFigureOut">
               <a:rPr lang="zh-CN" altLang="en-US" smtClean="0"/>
-              <a:t>2017/9/6</a:t>
+              <a:t>2017/9/7</a:t>
             </a:fld>
             <a:endParaRPr lang="zh-CN" altLang="en-US"/>
           </a:p>
@@ -9720,7 +8838,7 @@
           <a:p>
             <a:fld id="{530820CF-B880-4189-942D-D702A7CBA730}" type="datetimeFigureOut">
               <a:rPr lang="zh-CN" altLang="en-US" smtClean="0"/>
-              <a:t>2017/9/6</a:t>
+              <a:t>2017/9/7</a:t>
             </a:fld>
             <a:endParaRPr lang="zh-CN" altLang="en-US"/>
           </a:p>
@@ -11640,7 +10758,7 @@
           <a:p>
             <a:fld id="{530820CF-B880-4189-942D-D702A7CBA730}" type="datetimeFigureOut">
               <a:rPr lang="zh-CN" altLang="en-US" smtClean="0"/>
-              <a:t>2017/9/6</a:t>
+              <a:t>2017/9/7</a:t>
             </a:fld>
             <a:endParaRPr lang="zh-CN" altLang="en-US"/>
           </a:p>
@@ -12043,30 +11161,138 @@
           </a:p>
         </p:txBody>
       </p:sp>
-      <p:pic>
-        <p:nvPicPr>
-          <p:cNvPr id="5" name="图片 4"/>
-          <p:cNvPicPr>
-            <a:picLocks noChangeAspect="1"/>
-          </p:cNvPicPr>
+      <p:sp>
+        <p:nvSpPr>
+          <p:cNvPr id="4" name="TextBox 3"/>
+          <p:cNvSpPr txBox="1"/>
           <p:nvPr/>
-        </p:nvPicPr>
-        <p:blipFill>
-          <a:blip r:embed="rId3"/>
-          <a:stretch>
-            <a:fillRect/>
-          </a:stretch>
-        </p:blipFill>
+        </p:nvSpPr>
         <p:spPr>
           <a:xfrm>
-            <a:off x="5652120" y="116632"/>
-            <a:ext cx="3428571" cy="685714"/>
+            <a:off x="5364088" y="6453336"/>
+            <a:ext cx="3672408" cy="461665"/>
           </a:xfrm>
           <a:prstGeom prst="rect">
             <a:avLst/>
           </a:prstGeom>
+          <a:noFill/>
         </p:spPr>
-      </p:pic>
+        <p:txBody>
+          <a:bodyPr wrap="square" rtlCol="0">
+            <a:spAutoFit/>
+          </a:bodyPr>
+          <a:lstStyle>
+            <a:defPPr>
+              <a:defRPr lang="zh-CN"/>
+            </a:defPPr>
+            <a:lvl1pPr marL="0" algn="l" defTabSz="914400" rtl="0" eaLnBrk="1" latinLnBrk="0" hangingPunct="1">
+              <a:defRPr sz="1800" kern="1200">
+                <a:solidFill>
+                  <a:schemeClr val="tx1"/>
+                </a:solidFill>
+                <a:latin typeface="+mn-lt"/>
+                <a:ea typeface="+mn-ea"/>
+                <a:cs typeface="+mn-cs"/>
+              </a:defRPr>
+            </a:lvl1pPr>
+            <a:lvl2pPr marL="457200" algn="l" defTabSz="914400" rtl="0" eaLnBrk="1" latinLnBrk="0" hangingPunct="1">
+              <a:defRPr sz="1800" kern="1200">
+                <a:solidFill>
+                  <a:schemeClr val="tx1"/>
+                </a:solidFill>
+                <a:latin typeface="+mn-lt"/>
+                <a:ea typeface="+mn-ea"/>
+                <a:cs typeface="+mn-cs"/>
+              </a:defRPr>
+            </a:lvl2pPr>
+            <a:lvl3pPr marL="914400" algn="l" defTabSz="914400" rtl="0" eaLnBrk="1" latinLnBrk="0" hangingPunct="1">
+              <a:defRPr sz="1800" kern="1200">
+                <a:solidFill>
+                  <a:schemeClr val="tx1"/>
+                </a:solidFill>
+                <a:latin typeface="+mn-lt"/>
+                <a:ea typeface="+mn-ea"/>
+                <a:cs typeface="+mn-cs"/>
+              </a:defRPr>
+            </a:lvl3pPr>
+            <a:lvl4pPr marL="1371600" algn="l" defTabSz="914400" rtl="0" eaLnBrk="1" latinLnBrk="0" hangingPunct="1">
+              <a:defRPr sz="1800" kern="1200">
+                <a:solidFill>
+                  <a:schemeClr val="tx1"/>
+                </a:solidFill>
+                <a:latin typeface="+mn-lt"/>
+                <a:ea typeface="+mn-ea"/>
+                <a:cs typeface="+mn-cs"/>
+              </a:defRPr>
+            </a:lvl4pPr>
+            <a:lvl5pPr marL="1828800" algn="l" defTabSz="914400" rtl="0" eaLnBrk="1" latinLnBrk="0" hangingPunct="1">
+              <a:defRPr sz="1800" kern="1200">
+                <a:solidFill>
+                  <a:schemeClr val="tx1"/>
+                </a:solidFill>
+                <a:latin typeface="+mn-lt"/>
+                <a:ea typeface="+mn-ea"/>
+                <a:cs typeface="+mn-cs"/>
+              </a:defRPr>
+            </a:lvl5pPr>
+            <a:lvl6pPr marL="2286000" algn="l" defTabSz="914400" rtl="0" eaLnBrk="1" latinLnBrk="0" hangingPunct="1">
+              <a:defRPr sz="1800" kern="1200">
+                <a:solidFill>
+                  <a:schemeClr val="tx1"/>
+                </a:solidFill>
+                <a:latin typeface="+mn-lt"/>
+                <a:ea typeface="+mn-ea"/>
+                <a:cs typeface="+mn-cs"/>
+              </a:defRPr>
+            </a:lvl6pPr>
+            <a:lvl7pPr marL="2743200" algn="l" defTabSz="914400" rtl="0" eaLnBrk="1" latinLnBrk="0" hangingPunct="1">
+              <a:defRPr sz="1800" kern="1200">
+                <a:solidFill>
+                  <a:schemeClr val="tx1"/>
+                </a:solidFill>
+                <a:latin typeface="+mn-lt"/>
+                <a:ea typeface="+mn-ea"/>
+                <a:cs typeface="+mn-cs"/>
+              </a:defRPr>
+            </a:lvl7pPr>
+            <a:lvl8pPr marL="3200400" algn="l" defTabSz="914400" rtl="0" eaLnBrk="1" latinLnBrk="0" hangingPunct="1">
+              <a:defRPr sz="1800" kern="1200">
+                <a:solidFill>
+                  <a:schemeClr val="tx1"/>
+                </a:solidFill>
+                <a:latin typeface="+mn-lt"/>
+                <a:ea typeface="+mn-ea"/>
+                <a:cs typeface="+mn-cs"/>
+              </a:defRPr>
+            </a:lvl8pPr>
+            <a:lvl9pPr marL="3657600" algn="l" defTabSz="914400" rtl="0" eaLnBrk="1" latinLnBrk="0" hangingPunct="1">
+              <a:defRPr sz="1800" kern="1200">
+                <a:solidFill>
+                  <a:schemeClr val="tx1"/>
+                </a:solidFill>
+                <a:latin typeface="+mn-lt"/>
+                <a:ea typeface="+mn-ea"/>
+                <a:cs typeface="+mn-cs"/>
+              </a:defRPr>
+            </a:lvl9pPr>
+          </a:lstStyle>
+          <a:p>
+            <a:r>
+              <a:rPr lang="zh-CN" altLang="en-US" sz="2400" b="1" dirty="0" smtClean="0">
+                <a:solidFill>
+                  <a:schemeClr val="bg1"/>
+                </a:solidFill>
+              </a:rPr>
+              <a:t>河北师范大学软件学院</a:t>
+            </a:r>
+            <a:endParaRPr lang="zh-CN" altLang="en-US" sz="2400" b="1" dirty="0">
+              <a:solidFill>
+                <a:schemeClr val="bg1"/>
+              </a:solidFill>
+            </a:endParaRPr>
+          </a:p>
+        </p:txBody>
+      </p:sp>
     </p:spTree>
     <p:extLst>
       <p:ext uri="{BB962C8B-B14F-4D97-AF65-F5344CB8AC3E}">
